--- a/python-primer-202502.pptx
+++ b/python-primer-202502.pptx
@@ -531,7 +531,7 @@
           <a:p>
             <a:fld id="{87CEC5D9-10D7-4A6B-BD95-63944FF3DE68}" type="datetimeFigureOut">
               <a:rPr lang="en-US" smtClean="0"/>
-              <a:t>2/15/2025</a:t>
+              <a:t>2/16/2025</a:t>
             </a:fld>
             <a:endParaRPr lang="en-US"/>
           </a:p>
@@ -1053,7 +1053,7 @@
           <a:p>
             <a:fld id="{9EFA1187-D919-5A4D-8B24-640CC5389845}" type="datetimeFigureOut">
               <a:rPr lang="en-US" smtClean="0"/>
-              <a:t>2/15/2025</a:t>
+              <a:t>2/16/2025</a:t>
             </a:fld>
             <a:endParaRPr lang="en-US"/>
           </a:p>
@@ -1251,7 +1251,7 @@
           <a:p>
             <a:fld id="{9EFA1187-D919-5A4D-8B24-640CC5389845}" type="datetimeFigureOut">
               <a:rPr lang="en-US" smtClean="0"/>
-              <a:t>2/15/2025</a:t>
+              <a:t>2/16/2025</a:t>
             </a:fld>
             <a:endParaRPr lang="en-US"/>
           </a:p>
@@ -1459,7 +1459,7 @@
           <a:p>
             <a:fld id="{9EFA1187-D919-5A4D-8B24-640CC5389845}" type="datetimeFigureOut">
               <a:rPr lang="en-US" smtClean="0"/>
-              <a:t>2/15/2025</a:t>
+              <a:t>2/16/2025</a:t>
             </a:fld>
             <a:endParaRPr lang="en-US"/>
           </a:p>
@@ -1657,7 +1657,7 @@
           <a:p>
             <a:fld id="{9EFA1187-D919-5A4D-8B24-640CC5389845}" type="datetimeFigureOut">
               <a:rPr lang="en-US" smtClean="0"/>
-              <a:t>2/15/2025</a:t>
+              <a:t>2/16/2025</a:t>
             </a:fld>
             <a:endParaRPr lang="en-US"/>
           </a:p>
@@ -1932,7 +1932,7 @@
           <a:p>
             <a:fld id="{9EFA1187-D919-5A4D-8B24-640CC5389845}" type="datetimeFigureOut">
               <a:rPr lang="en-US" smtClean="0"/>
-              <a:t>2/15/2025</a:t>
+              <a:t>2/16/2025</a:t>
             </a:fld>
             <a:endParaRPr lang="en-US"/>
           </a:p>
@@ -2197,7 +2197,7 @@
           <a:p>
             <a:fld id="{9EFA1187-D919-5A4D-8B24-640CC5389845}" type="datetimeFigureOut">
               <a:rPr lang="en-US" smtClean="0"/>
-              <a:t>2/15/2025</a:t>
+              <a:t>2/16/2025</a:t>
             </a:fld>
             <a:endParaRPr lang="en-US"/>
           </a:p>
@@ -2609,7 +2609,7 @@
           <a:p>
             <a:fld id="{9EFA1187-D919-5A4D-8B24-640CC5389845}" type="datetimeFigureOut">
               <a:rPr lang="en-US" smtClean="0"/>
-              <a:t>2/15/2025</a:t>
+              <a:t>2/16/2025</a:t>
             </a:fld>
             <a:endParaRPr lang="en-US"/>
           </a:p>
@@ -2750,7 +2750,7 @@
           <a:p>
             <a:fld id="{9EFA1187-D919-5A4D-8B24-640CC5389845}" type="datetimeFigureOut">
               <a:rPr lang="en-US" smtClean="0"/>
-              <a:t>2/15/2025</a:t>
+              <a:t>2/16/2025</a:t>
             </a:fld>
             <a:endParaRPr lang="en-US"/>
           </a:p>
@@ -2863,7 +2863,7 @@
           <a:p>
             <a:fld id="{9EFA1187-D919-5A4D-8B24-640CC5389845}" type="datetimeFigureOut">
               <a:rPr lang="en-US" smtClean="0"/>
-              <a:t>2/15/2025</a:t>
+              <a:t>2/16/2025</a:t>
             </a:fld>
             <a:endParaRPr lang="en-US"/>
           </a:p>
@@ -3174,7 +3174,7 @@
           <a:p>
             <a:fld id="{9EFA1187-D919-5A4D-8B24-640CC5389845}" type="datetimeFigureOut">
               <a:rPr lang="en-US" smtClean="0"/>
-              <a:t>2/15/2025</a:t>
+              <a:t>2/16/2025</a:t>
             </a:fld>
             <a:endParaRPr lang="en-US"/>
           </a:p>
@@ -3462,7 +3462,7 @@
           <a:p>
             <a:fld id="{9EFA1187-D919-5A4D-8B24-640CC5389845}" type="datetimeFigureOut">
               <a:rPr lang="en-US" smtClean="0"/>
-              <a:t>2/15/2025</a:t>
+              <a:t>2/16/2025</a:t>
             </a:fld>
             <a:endParaRPr lang="en-US"/>
           </a:p>
@@ -3703,7 +3703,7 @@
           <a:p>
             <a:fld id="{9EFA1187-D919-5A4D-8B24-640CC5389845}" type="datetimeFigureOut">
               <a:rPr lang="en-US" smtClean="0"/>
-              <a:t>2/15/2025</a:t>
+              <a:t>2/16/2025</a:t>
             </a:fld>
             <a:endParaRPr lang="en-US"/>
           </a:p>
@@ -4511,8 +4511,8 @@
         </p:nvSpPr>
         <p:spPr>
           <a:xfrm>
-            <a:off x="2557929" y="501806"/>
-            <a:ext cx="8580372" cy="672173"/>
+            <a:off x="2557929" y="433137"/>
+            <a:ext cx="8580372" cy="1424237"/>
           </a:xfrm>
           <a:prstGeom prst="rect">
             <a:avLst/>
@@ -4563,9 +4563,31 @@
                 <a:latin typeface="Arial" panose="020B0604020202020204" pitchFamily="34" charset="0"/>
                 <a:ea typeface="Arial Black" charset="0"/>
                 <a:cs typeface="Arial" panose="020B0604020202020204" pitchFamily="34" charset="0"/>
+                <a:hlinkClick r:id="rId4"/>
               </a:rPr>
               <a:t>sblessing@maxtrain.com</a:t>
             </a:r>
+            <a:endParaRPr lang="en-US" sz="2800" dirty="0">
+              <a:solidFill>
+                <a:schemeClr val="tx1"/>
+              </a:solidFill>
+              <a:latin typeface="Arial" panose="020B0604020202020204" pitchFamily="34" charset="0"/>
+              <a:ea typeface="Arial Black" charset="0"/>
+              <a:cs typeface="Arial" panose="020B0604020202020204" pitchFamily="34" charset="0"/>
+            </a:endParaRPr>
+          </a:p>
+          <a:p>
+            <a:r>
+              <a:rPr lang="en-US" sz="2800" dirty="0">
+                <a:solidFill>
+                  <a:schemeClr val="tx1"/>
+                </a:solidFill>
+                <a:latin typeface="Arial" panose="020B0604020202020204" pitchFamily="34" charset="0"/>
+                <a:ea typeface="Arial Black" charset="0"/>
+                <a:cs typeface="Arial" panose="020B0604020202020204" pitchFamily="34" charset="0"/>
+              </a:rPr>
+              <a:t>https://www.linkedin.com/in/sean-blessing/</a:t>
+            </a:r>
           </a:p>
         </p:txBody>
       </p:sp>
@@ -4583,7 +4605,7 @@
         </p:nvSpPr>
         <p:spPr>
           <a:xfrm>
-            <a:off x="2557929" y="1297134"/>
+            <a:off x="2557929" y="2432916"/>
             <a:ext cx="9114118" cy="4154984"/>
           </a:xfrm>
           <a:prstGeom prst="rect">
@@ -6466,6 +6488,26 @@
 </file>
 
 <file path=customXml/item1.xml><?xml version="1.0" encoding="utf-8"?>
+<p:properties xmlns:p="http://schemas.microsoft.com/office/2006/metadata/properties" xmlns:xsi="http://www.w3.org/2001/XMLSchema-instance" xmlns:pc="http://schemas.microsoft.com/office/infopath/2007/PartnerControls">
+  <documentManagement>
+    <lcf76f155ced4ddcb4097134ff3c332f xmlns="c6ea4dff-0d87-462e-b7fc-5391e8e5f30b">
+      <Terms xmlns="http://schemas.microsoft.com/office/infopath/2007/PartnerControls"/>
+    </lcf76f155ced4ddcb4097134ff3c332f>
+    <TaxCatchAll xmlns="e8499317-653f-44e2-a732-f332a452cb81" xsi:nil="true"/>
+  </documentManagement>
+</p:properties>
+</file>
+
+<file path=customXml/item2.xml><?xml version="1.0" encoding="utf-8"?>
+<?mso-contentType ?>
+<FormTemplates xmlns="http://schemas.microsoft.com/sharepoint/v3/contenttype/forms">
+  <Display>DocumentLibraryForm</Display>
+  <Edit>DocumentLibraryForm</Edit>
+  <New>DocumentLibraryForm</New>
+</FormTemplates>
+</file>
+
+<file path=customXml/item3.xml><?xml version="1.0" encoding="utf-8"?>
 <ct:contentTypeSchema xmlns:ct="http://schemas.microsoft.com/office/2006/metadata/contentType" xmlns:ma="http://schemas.microsoft.com/office/2006/metadata/properties/metaAttributes" ct:_="" ma:_="" ma:contentTypeName="Document" ma:contentTypeID="0x010100DCD61AC6AF1BBD4FB163A7CB78F9888A" ma:contentTypeVersion="16" ma:contentTypeDescription="Create a new document." ma:contentTypeScope="" ma:versionID="d1e5b228edf485791a9ecd37c53ace1d">
   <xsd:schema xmlns:xsd="http://www.w3.org/2001/XMLSchema" xmlns:xs="http://www.w3.org/2001/XMLSchema" xmlns:p="http://schemas.microsoft.com/office/2006/metadata/properties" xmlns:ns2="c6ea4dff-0d87-462e-b7fc-5391e8e5f30b" xmlns:ns3="e8499317-653f-44e2-a732-f332a452cb81" targetNamespace="http://schemas.microsoft.com/office/2006/metadata/properties" ma:root="true" ma:fieldsID="82c737a34373a4b3ef16bb1a6f359f30" ns2:_="" ns3:_="">
     <xsd:import namespace="c6ea4dff-0d87-462e-b7fc-5391e8e5f30b"/>
@@ -6708,27 +6750,26 @@
 </ct:contentTypeSchema>
 </file>
 
-<file path=customXml/item2.xml><?xml version="1.0" encoding="utf-8"?>
-<?mso-contentType ?>
-<FormTemplates xmlns="http://schemas.microsoft.com/sharepoint/v3/contenttype/forms">
-  <Display>DocumentLibraryForm</Display>
-  <Edit>DocumentLibraryForm</Edit>
-  <New>DocumentLibraryForm</New>
-</FormTemplates>
+<file path=customXml/itemProps1.xml><?xml version="1.0" encoding="utf-8"?>
+<ds:datastoreItem xmlns:ds="http://schemas.openxmlformats.org/officeDocument/2006/customXml" ds:itemID="{31B2D0F9-FED0-43CE-A273-E2EB2735958C}">
+  <ds:schemaRefs>
+    <ds:schemaRef ds:uri="http://schemas.microsoft.com/office/2006/metadata/properties"/>
+    <ds:schemaRef ds:uri="http://schemas.microsoft.com/office/infopath/2007/PartnerControls"/>
+    <ds:schemaRef ds:uri="c6ea4dff-0d87-462e-b7fc-5391e8e5f30b"/>
+    <ds:schemaRef ds:uri="e8499317-653f-44e2-a732-f332a452cb81"/>
+  </ds:schemaRefs>
+</ds:datastoreItem>
 </file>
 
-<file path=customXml/item3.xml><?xml version="1.0" encoding="utf-8"?>
-<p:properties xmlns:p="http://schemas.microsoft.com/office/2006/metadata/properties" xmlns:xsi="http://www.w3.org/2001/XMLSchema-instance" xmlns:pc="http://schemas.microsoft.com/office/infopath/2007/PartnerControls">
-  <documentManagement>
-    <lcf76f155ced4ddcb4097134ff3c332f xmlns="c6ea4dff-0d87-462e-b7fc-5391e8e5f30b">
-      <Terms xmlns="http://schemas.microsoft.com/office/infopath/2007/PartnerControls"/>
-    </lcf76f155ced4ddcb4097134ff3c332f>
-    <TaxCatchAll xmlns="e8499317-653f-44e2-a732-f332a452cb81" xsi:nil="true"/>
-  </documentManagement>
-</p:properties>
+<file path=customXml/itemProps2.xml><?xml version="1.0" encoding="utf-8"?>
+<ds:datastoreItem xmlns:ds="http://schemas.openxmlformats.org/officeDocument/2006/customXml" ds:itemID="{5269EF74-6C3C-4B6E-A97D-463109EC86F5}">
+  <ds:schemaRefs>
+    <ds:schemaRef ds:uri="http://schemas.microsoft.com/sharepoint/v3/contenttype/forms"/>
+  </ds:schemaRefs>
+</ds:datastoreItem>
 </file>
 
-<file path=customXml/itemProps1.xml><?xml version="1.0" encoding="utf-8"?>
+<file path=customXml/itemProps3.xml><?xml version="1.0" encoding="utf-8"?>
 <ds:datastoreItem xmlns:ds="http://schemas.openxmlformats.org/officeDocument/2006/customXml" ds:itemID="{3ADA5854-0309-4552-9C69-E518C863A20D}">
   <ds:schemaRefs>
     <ds:schemaRef ds:uri="http://schemas.microsoft.com/office/2006/metadata/contentType"/>
@@ -6745,23 +6786,4 @@
     <ds:schemaRef ds:uri="http://schemas.microsoft.com/internal/obd"/>
   </ds:schemaRefs>
 </ds:datastoreItem>
-</file>
-
-<file path=customXml/itemProps2.xml><?xml version="1.0" encoding="utf-8"?>
-<ds:datastoreItem xmlns:ds="http://schemas.openxmlformats.org/officeDocument/2006/customXml" ds:itemID="{5269EF74-6C3C-4B6E-A97D-463109EC86F5}">
-  <ds:schemaRefs>
-    <ds:schemaRef ds:uri="http://schemas.microsoft.com/sharepoint/v3/contenttype/forms"/>
-  </ds:schemaRefs>
-</ds:datastoreItem>
-</file>
-
-<file path=customXml/itemProps3.xml><?xml version="1.0" encoding="utf-8"?>
-<ds:datastoreItem xmlns:ds="http://schemas.openxmlformats.org/officeDocument/2006/customXml" ds:itemID="{31B2D0F9-FED0-43CE-A273-E2EB2735958C}">
-  <ds:schemaRefs>
-    <ds:schemaRef ds:uri="http://schemas.microsoft.com/office/2006/metadata/properties"/>
-    <ds:schemaRef ds:uri="http://schemas.microsoft.com/office/infopath/2007/PartnerControls"/>
-    <ds:schemaRef ds:uri="c6ea4dff-0d87-462e-b7fc-5391e8e5f30b"/>
-    <ds:schemaRef ds:uri="e8499317-653f-44e2-a732-f332a452cb81"/>
-  </ds:schemaRefs>
-</ds:datastoreItem>
 </file>